--- a/Process Flow Chart.pptx
+++ b/Process Flow Chart.pptx
@@ -3035,38 +3035,32 @@
       </p:grpSpPr>
       <p:grpSp>
         <p:nvGrpSpPr>
-          <p:cNvPr id="7" name="Group 6"/>
+          <p:cNvPr id="23" name="Group 22"/>
           <p:cNvGrpSpPr/>
           <p:nvPr/>
         </p:nvGrpSpPr>
         <p:grpSpPr>
           <a:xfrm>
-            <a:off x="4299284" y="374709"/>
-            <a:ext cx="6320590" cy="2224111"/>
-            <a:chOff x="4299284" y="374709"/>
-            <a:chExt cx="6320590" cy="2224111"/>
+            <a:off x="867011" y="374709"/>
+            <a:ext cx="10255079" cy="4695475"/>
+            <a:chOff x="867011" y="374709"/>
+            <a:chExt cx="10255079" cy="4695475"/>
           </a:xfrm>
         </p:grpSpPr>
         <p:sp>
           <p:nvSpPr>
-            <p:cNvPr id="5" name="Rounded Rectangle 4"/>
+            <p:cNvPr id="2" name="Oval 1"/>
             <p:cNvSpPr/>
             <p:nvPr/>
           </p:nvSpPr>
           <p:spPr>
             <a:xfrm>
-              <a:off x="4299284" y="657725"/>
-              <a:ext cx="6320590" cy="1941095"/>
+              <a:off x="867011" y="829628"/>
+              <a:ext cx="2329196" cy="1619958"/>
             </a:xfrm>
-            <a:prstGeom prst="roundRect">
+            <a:prstGeom prst="ellipse">
               <a:avLst/>
             </a:prstGeom>
-            <a:solidFill>
-              <a:schemeClr val="accent4">
-                <a:lumMod val="20000"/>
-                <a:lumOff val="80000"/>
-              </a:schemeClr>
-            </a:solidFill>
           </p:spPr>
           <p:style>
             <a:lnRef idx="2">
@@ -3089,20 +3083,299 @@
             <a:lstStyle/>
             <a:p>
               <a:pPr algn="ctr"/>
-              <a:endParaRPr lang="en-US"/>
+              <a:r>
+                <a:rPr lang="en-US" dirty="0" smtClean="0"/>
+                <a:t>Digitize Data</a:t>
+              </a:r>
+              <a:endParaRPr lang="en-US" dirty="0"/>
             </a:p>
           </p:txBody>
         </p:sp>
+        <p:cxnSp>
+          <p:nvCxnSpPr>
+            <p:cNvPr id="9" name="Straight Arrow Connector 8"/>
+            <p:cNvCxnSpPr/>
+            <p:nvPr/>
+          </p:nvCxnSpPr>
+          <p:spPr>
+            <a:xfrm>
+              <a:off x="3489649" y="1639607"/>
+              <a:ext cx="737118" cy="0"/>
+            </a:xfrm>
+            <a:prstGeom prst="straightConnector1">
+              <a:avLst/>
+            </a:prstGeom>
+            <a:ln>
+              <a:tailEnd type="triangle"/>
+            </a:ln>
+          </p:spPr>
+          <p:style>
+            <a:lnRef idx="1">
+              <a:schemeClr val="accent1"/>
+            </a:lnRef>
+            <a:fillRef idx="0">
+              <a:schemeClr val="accent1"/>
+            </a:fillRef>
+            <a:effectRef idx="0">
+              <a:schemeClr val="accent1"/>
+            </a:effectRef>
+            <a:fontRef idx="minor">
+              <a:schemeClr val="tx1"/>
+            </a:fontRef>
+          </p:style>
+        </p:cxnSp>
+        <p:grpSp>
+          <p:nvGrpSpPr>
+            <p:cNvPr id="22" name="Group 21"/>
+            <p:cNvGrpSpPr/>
+            <p:nvPr/>
+          </p:nvGrpSpPr>
+          <p:grpSpPr>
+            <a:xfrm>
+              <a:off x="4299284" y="374709"/>
+              <a:ext cx="6320590" cy="2224111"/>
+              <a:chOff x="4299284" y="374709"/>
+              <a:chExt cx="6320590" cy="2224111"/>
+            </a:xfrm>
+          </p:grpSpPr>
+          <p:grpSp>
+            <p:nvGrpSpPr>
+              <p:cNvPr id="7" name="Group 6"/>
+              <p:cNvGrpSpPr/>
+              <p:nvPr/>
+            </p:nvGrpSpPr>
+            <p:grpSpPr>
+              <a:xfrm>
+                <a:off x="4299284" y="374709"/>
+                <a:ext cx="6320590" cy="2224111"/>
+                <a:chOff x="4299284" y="374709"/>
+                <a:chExt cx="6320590" cy="2224111"/>
+              </a:xfrm>
+            </p:grpSpPr>
+            <p:sp>
+              <p:nvSpPr>
+                <p:cNvPr id="5" name="Rounded Rectangle 4"/>
+                <p:cNvSpPr/>
+                <p:nvPr/>
+              </p:nvSpPr>
+              <p:spPr>
+                <a:xfrm>
+                  <a:off x="4299284" y="657725"/>
+                  <a:ext cx="6320590" cy="1941095"/>
+                </a:xfrm>
+                <a:prstGeom prst="roundRect">
+                  <a:avLst/>
+                </a:prstGeom>
+                <a:solidFill>
+                  <a:schemeClr val="accent4">
+                    <a:lumMod val="20000"/>
+                    <a:lumOff val="80000"/>
+                  </a:schemeClr>
+                </a:solidFill>
+              </p:spPr>
+              <p:style>
+                <a:lnRef idx="2">
+                  <a:schemeClr val="accent1">
+                    <a:shade val="50000"/>
+                  </a:schemeClr>
+                </a:lnRef>
+                <a:fillRef idx="1">
+                  <a:schemeClr val="accent1"/>
+                </a:fillRef>
+                <a:effectRef idx="0">
+                  <a:schemeClr val="accent1"/>
+                </a:effectRef>
+                <a:fontRef idx="minor">
+                  <a:schemeClr val="lt1"/>
+                </a:fontRef>
+              </p:style>
+              <p:txBody>
+                <a:bodyPr rtlCol="0" anchor="ctr"/>
+                <a:lstStyle/>
+                <a:p>
+                  <a:pPr algn="ctr"/>
+                  <a:endParaRPr lang="en-US"/>
+                </a:p>
+              </p:txBody>
+            </p:sp>
+            <p:sp>
+              <p:nvSpPr>
+                <p:cNvPr id="6" name="TextBox 5"/>
+                <p:cNvSpPr txBox="1"/>
+                <p:nvPr/>
+              </p:nvSpPr>
+              <p:spPr>
+                <a:xfrm>
+                  <a:off x="6930190" y="374709"/>
+                  <a:ext cx="1684421" cy="368967"/>
+                </a:xfrm>
+                <a:prstGeom prst="rect">
+                  <a:avLst/>
+                </a:prstGeom>
+                <a:noFill/>
+              </p:spPr>
+              <p:txBody>
+                <a:bodyPr wrap="square" rtlCol="0">
+                  <a:spAutoFit/>
+                </a:bodyPr>
+                <a:lstStyle/>
+                <a:p>
+                  <a:r>
+                    <a:rPr lang="en-US" dirty="0" smtClean="0"/>
+                    <a:t>R Script</a:t>
+                  </a:r>
+                  <a:endParaRPr lang="en-US" dirty="0"/>
+                </a:p>
+              </p:txBody>
+            </p:sp>
+          </p:grpSp>
+          <p:grpSp>
+            <p:nvGrpSpPr>
+              <p:cNvPr id="21" name="Group 20"/>
+              <p:cNvGrpSpPr/>
+              <p:nvPr/>
+            </p:nvGrpSpPr>
+            <p:grpSpPr>
+              <a:xfrm>
+                <a:off x="4425341" y="829628"/>
+                <a:ext cx="5887526" cy="1619958"/>
+                <a:chOff x="4425341" y="829628"/>
+                <a:chExt cx="5887526" cy="1619958"/>
+              </a:xfrm>
+            </p:grpSpPr>
+            <p:sp>
+              <p:nvSpPr>
+                <p:cNvPr id="3" name="Oval 2"/>
+                <p:cNvSpPr/>
+                <p:nvPr/>
+              </p:nvSpPr>
+              <p:spPr>
+                <a:xfrm>
+                  <a:off x="4425341" y="829628"/>
+                  <a:ext cx="2329196" cy="1619958"/>
+                </a:xfrm>
+                <a:prstGeom prst="ellipse">
+                  <a:avLst/>
+                </a:prstGeom>
+              </p:spPr>
+              <p:style>
+                <a:lnRef idx="2">
+                  <a:schemeClr val="accent1">
+                    <a:shade val="50000"/>
+                  </a:schemeClr>
+                </a:lnRef>
+                <a:fillRef idx="1">
+                  <a:schemeClr val="accent1"/>
+                </a:fillRef>
+                <a:effectRef idx="0">
+                  <a:schemeClr val="accent1"/>
+                </a:effectRef>
+                <a:fontRef idx="minor">
+                  <a:schemeClr val="lt1"/>
+                </a:fontRef>
+              </p:style>
+              <p:txBody>
+                <a:bodyPr rtlCol="0" anchor="ctr"/>
+                <a:lstStyle/>
+                <a:p>
+                  <a:pPr algn="ctr"/>
+                  <a:r>
+                    <a:rPr lang="en-US" dirty="0" smtClean="0"/>
+                    <a:t>Combine data</a:t>
+                  </a:r>
+                  <a:endParaRPr lang="en-US" dirty="0"/>
+                </a:p>
+              </p:txBody>
+            </p:sp>
+            <p:sp>
+              <p:nvSpPr>
+                <p:cNvPr id="4" name="Oval 3"/>
+                <p:cNvSpPr/>
+                <p:nvPr/>
+              </p:nvSpPr>
+              <p:spPr>
+                <a:xfrm>
+                  <a:off x="7983671" y="829628"/>
+                  <a:ext cx="2329196" cy="1619958"/>
+                </a:xfrm>
+                <a:prstGeom prst="ellipse">
+                  <a:avLst/>
+                </a:prstGeom>
+              </p:spPr>
+              <p:style>
+                <a:lnRef idx="2">
+                  <a:schemeClr val="accent1">
+                    <a:shade val="50000"/>
+                  </a:schemeClr>
+                </a:lnRef>
+                <a:fillRef idx="1">
+                  <a:schemeClr val="accent1"/>
+                </a:fillRef>
+                <a:effectRef idx="0">
+                  <a:schemeClr val="accent1"/>
+                </a:effectRef>
+                <a:fontRef idx="minor">
+                  <a:schemeClr val="lt1"/>
+                </a:fontRef>
+              </p:style>
+              <p:txBody>
+                <a:bodyPr rtlCol="0" anchor="ctr"/>
+                <a:lstStyle/>
+                <a:p>
+                  <a:pPr algn="ctr"/>
+                  <a:r>
+                    <a:rPr lang="en-US" dirty="0" smtClean="0"/>
+                    <a:t>Calculate Movements</a:t>
+                  </a:r>
+                  <a:endParaRPr lang="en-US" dirty="0"/>
+                </a:p>
+              </p:txBody>
+            </p:sp>
+            <p:cxnSp>
+              <p:nvCxnSpPr>
+                <p:cNvPr id="11" name="Straight Arrow Connector 10"/>
+                <p:cNvCxnSpPr/>
+                <p:nvPr/>
+              </p:nvCxnSpPr>
+              <p:spPr>
+                <a:xfrm>
+                  <a:off x="6930190" y="1639607"/>
+                  <a:ext cx="842210" cy="0"/>
+                </a:xfrm>
+                <a:prstGeom prst="straightConnector1">
+                  <a:avLst/>
+                </a:prstGeom>
+                <a:ln>
+                  <a:tailEnd type="triangle"/>
+                </a:ln>
+              </p:spPr>
+              <p:style>
+                <a:lnRef idx="1">
+                  <a:schemeClr val="accent1"/>
+                </a:lnRef>
+                <a:fillRef idx="0">
+                  <a:schemeClr val="accent1"/>
+                </a:fillRef>
+                <a:effectRef idx="0">
+                  <a:schemeClr val="accent1"/>
+                </a:effectRef>
+                <a:fontRef idx="minor">
+                  <a:schemeClr val="tx1"/>
+                </a:fontRef>
+              </p:style>
+            </p:cxnSp>
+          </p:grpSp>
+        </p:grpSp>
         <p:sp>
           <p:nvSpPr>
-            <p:cNvPr id="6" name="TextBox 5"/>
+            <p:cNvPr id="17" name="TextBox 16"/>
             <p:cNvSpPr txBox="1"/>
             <p:nvPr/>
           </p:nvSpPr>
           <p:spPr>
             <a:xfrm>
-              <a:off x="6930190" y="374709"/>
-              <a:ext cx="1684421" cy="368967"/>
+              <a:off x="867011" y="2761861"/>
+              <a:ext cx="2329196" cy="2031325"/>
             </a:xfrm>
             <a:prstGeom prst="rect">
               <a:avLst/>
@@ -3115,393 +3388,165 @@
             </a:bodyPr>
             <a:lstStyle/>
             <a:p>
+              <a:pPr marL="285750" indent="-285750">
+                <a:buFont typeface="Arial" panose="020B0604020202020204" pitchFamily="34" charset="0"/>
+                <a:buChar char="•"/>
+              </a:pPr>
               <a:r>
                 <a:rPr lang="en-US" dirty="0" smtClean="0"/>
-                <a:t>R Script</a:t>
+                <a:t>Scan and enter data in Excel</a:t>
+              </a:r>
+            </a:p>
+            <a:p>
+              <a:pPr marL="285750" indent="-285750">
+                <a:buFont typeface="Arial" panose="020B0604020202020204" pitchFamily="34" charset="0"/>
+                <a:buChar char="•"/>
+              </a:pPr>
+              <a:r>
+                <a:rPr lang="en-US" dirty="0" smtClean="0"/>
+                <a:t>Correct data with M34 Detections only if needed</a:t>
+              </a:r>
+            </a:p>
+            <a:p>
+              <a:pPr marL="285750" indent="-285750">
+                <a:buFont typeface="Arial" panose="020B0604020202020204" pitchFamily="34" charset="0"/>
+                <a:buChar char="•"/>
+              </a:pPr>
+              <a:r>
+                <a:rPr lang="en-US" dirty="0" smtClean="0"/>
+                <a:t>Update “</a:t>
+              </a:r>
+              <a:r>
+                <a:rPr lang="en-US" dirty="0" err="1" smtClean="0"/>
+                <a:t>allAfterFieldData</a:t>
+              </a:r>
+              <a:r>
+                <a:rPr lang="en-US" dirty="0" smtClean="0"/>
+                <a:t>”  </a:t>
+              </a:r>
+              <a:endParaRPr lang="en-US" dirty="0"/>
+            </a:p>
+          </p:txBody>
+        </p:sp>
+        <p:sp>
+          <p:nvSpPr>
+            <p:cNvPr id="18" name="TextBox 17"/>
+            <p:cNvSpPr txBox="1"/>
+            <p:nvPr/>
+          </p:nvSpPr>
+          <p:spPr>
+            <a:xfrm>
+              <a:off x="4425340" y="2761860"/>
+              <a:ext cx="2504849" cy="2308324"/>
+            </a:xfrm>
+            <a:prstGeom prst="rect">
+              <a:avLst/>
+            </a:prstGeom>
+            <a:noFill/>
+          </p:spPr>
+          <p:txBody>
+            <a:bodyPr wrap="square" rtlCol="0">
+              <a:spAutoFit/>
+            </a:bodyPr>
+            <a:lstStyle/>
+            <a:p>
+              <a:pPr marL="285750" indent="-285750">
+                <a:buFont typeface="Arial" panose="020B0604020202020204" pitchFamily="34" charset="0"/>
+                <a:buChar char="•"/>
+              </a:pPr>
+              <a:r>
+                <a:rPr lang="en-US" dirty="0" smtClean="0"/>
+                <a:t>Combine new field data (</a:t>
+              </a:r>
+              <a:r>
+                <a:rPr lang="en-US" dirty="0" err="1" smtClean="0"/>
+                <a:t>allAfterFieldData</a:t>
+              </a:r>
+              <a:r>
+                <a:rPr lang="en-US" dirty="0" smtClean="0"/>
+                <a:t>), Trimble survey data, (</a:t>
+              </a:r>
+              <a:r>
+                <a:rPr lang="en-US" dirty="0" err="1" smtClean="0"/>
+                <a:t>allKBAfterSurveyPoints</a:t>
+              </a:r>
+              <a:r>
+                <a:rPr lang="en-US" dirty="0" smtClean="0"/>
+                <a:t>), and attribute info (</a:t>
+              </a:r>
+              <a:r>
+                <a:rPr lang="en-US" dirty="0" err="1" smtClean="0"/>
+                <a:t>XXXX_new_KB_tagged_Rocks</a:t>
+              </a:r>
+              <a:r>
+                <a:rPr lang="en-US" dirty="0" smtClean="0"/>
+                <a:t>)</a:t>
+              </a:r>
+              <a:endParaRPr lang="en-US" dirty="0"/>
+            </a:p>
+          </p:txBody>
+        </p:sp>
+        <p:sp>
+          <p:nvSpPr>
+            <p:cNvPr id="19" name="TextBox 18"/>
+            <p:cNvSpPr txBox="1"/>
+            <p:nvPr/>
+          </p:nvSpPr>
+          <p:spPr>
+            <a:xfrm>
+              <a:off x="7983671" y="2761860"/>
+              <a:ext cx="3138419" cy="1754326"/>
+            </a:xfrm>
+            <a:prstGeom prst="rect">
+              <a:avLst/>
+            </a:prstGeom>
+            <a:noFill/>
+          </p:spPr>
+          <p:txBody>
+            <a:bodyPr wrap="square" rtlCol="0">
+              <a:spAutoFit/>
+            </a:bodyPr>
+            <a:lstStyle/>
+            <a:p>
+              <a:pPr marL="285750" indent="-285750">
+                <a:buFont typeface="Arial" panose="020B0604020202020204" pitchFamily="34" charset="0"/>
+                <a:buChar char="•"/>
+              </a:pPr>
+              <a:r>
+                <a:rPr lang="en-US" dirty="0" smtClean="0"/>
+                <a:t>Create summary file with cumulative distance (</a:t>
+              </a:r>
+              <a:r>
+                <a:rPr lang="en-US" dirty="0" err="1" smtClean="0"/>
+                <a:t>MasterPITRockList</a:t>
+              </a:r>
+              <a:r>
+                <a:rPr lang="en-US" dirty="0" smtClean="0"/>
+                <a:t>)</a:t>
+              </a:r>
+            </a:p>
+            <a:p>
+              <a:pPr marL="285750" indent="-285750">
+                <a:buFont typeface="Arial" panose="020B0604020202020204" pitchFamily="34" charset="0"/>
+                <a:buChar char="•"/>
+              </a:pPr>
+              <a:r>
+                <a:rPr lang="en-US" dirty="0" smtClean="0"/>
+                <a:t>Calculate distance moved by Runoff year (</a:t>
+              </a:r>
+              <a:r>
+                <a:rPr lang="en-US" dirty="0" err="1" smtClean="0"/>
+                <a:t>MovementData_Combined</a:t>
+              </a:r>
+              <a:r>
+                <a:rPr lang="en-US" dirty="0" smtClean="0"/>
+                <a:t>)</a:t>
               </a:r>
               <a:endParaRPr lang="en-US" dirty="0"/>
             </a:p>
           </p:txBody>
         </p:sp>
       </p:grpSp>
-      <p:sp>
-        <p:nvSpPr>
-          <p:cNvPr id="2" name="Oval 1"/>
-          <p:cNvSpPr/>
-          <p:nvPr/>
-        </p:nvSpPr>
-        <p:spPr>
-          <a:xfrm>
-            <a:off x="867011" y="829628"/>
-            <a:ext cx="2329196" cy="1619958"/>
-          </a:xfrm>
-          <a:prstGeom prst="ellipse">
-            <a:avLst/>
-          </a:prstGeom>
-        </p:spPr>
-        <p:style>
-          <a:lnRef idx="2">
-            <a:schemeClr val="accent1">
-              <a:shade val="50000"/>
-            </a:schemeClr>
-          </a:lnRef>
-          <a:fillRef idx="1">
-            <a:schemeClr val="accent1"/>
-          </a:fillRef>
-          <a:effectRef idx="0">
-            <a:schemeClr val="accent1"/>
-          </a:effectRef>
-          <a:fontRef idx="minor">
-            <a:schemeClr val="lt1"/>
-          </a:fontRef>
-        </p:style>
-        <p:txBody>
-          <a:bodyPr rtlCol="0" anchor="ctr"/>
-          <a:lstStyle/>
-          <a:p>
-            <a:pPr algn="ctr"/>
-            <a:r>
-              <a:rPr lang="en-US" dirty="0" smtClean="0"/>
-              <a:t>Digitize Data</a:t>
-            </a:r>
-            <a:endParaRPr lang="en-US" dirty="0"/>
-          </a:p>
-        </p:txBody>
-      </p:sp>
-      <p:sp>
-        <p:nvSpPr>
-          <p:cNvPr id="3" name="Oval 2"/>
-          <p:cNvSpPr/>
-          <p:nvPr/>
-        </p:nvSpPr>
-        <p:spPr>
-          <a:xfrm>
-            <a:off x="4425341" y="829628"/>
-            <a:ext cx="2329196" cy="1619958"/>
-          </a:xfrm>
-          <a:prstGeom prst="ellipse">
-            <a:avLst/>
-          </a:prstGeom>
-        </p:spPr>
-        <p:style>
-          <a:lnRef idx="2">
-            <a:schemeClr val="accent1">
-              <a:shade val="50000"/>
-            </a:schemeClr>
-          </a:lnRef>
-          <a:fillRef idx="1">
-            <a:schemeClr val="accent1"/>
-          </a:fillRef>
-          <a:effectRef idx="0">
-            <a:schemeClr val="accent1"/>
-          </a:effectRef>
-          <a:fontRef idx="minor">
-            <a:schemeClr val="lt1"/>
-          </a:fontRef>
-        </p:style>
-        <p:txBody>
-          <a:bodyPr rtlCol="0" anchor="ctr"/>
-          <a:lstStyle/>
-          <a:p>
-            <a:pPr algn="ctr"/>
-            <a:r>
-              <a:rPr lang="en-US" dirty="0" smtClean="0"/>
-              <a:t>Combine data</a:t>
-            </a:r>
-            <a:endParaRPr lang="en-US" dirty="0"/>
-          </a:p>
-        </p:txBody>
-      </p:sp>
-      <p:sp>
-        <p:nvSpPr>
-          <p:cNvPr id="4" name="Oval 3"/>
-          <p:cNvSpPr/>
-          <p:nvPr/>
-        </p:nvSpPr>
-        <p:spPr>
-          <a:xfrm>
-            <a:off x="7983671" y="829628"/>
-            <a:ext cx="2329196" cy="1619958"/>
-          </a:xfrm>
-          <a:prstGeom prst="ellipse">
-            <a:avLst/>
-          </a:prstGeom>
-        </p:spPr>
-        <p:style>
-          <a:lnRef idx="2">
-            <a:schemeClr val="accent1">
-              <a:shade val="50000"/>
-            </a:schemeClr>
-          </a:lnRef>
-          <a:fillRef idx="1">
-            <a:schemeClr val="accent1"/>
-          </a:fillRef>
-          <a:effectRef idx="0">
-            <a:schemeClr val="accent1"/>
-          </a:effectRef>
-          <a:fontRef idx="minor">
-            <a:schemeClr val="lt1"/>
-          </a:fontRef>
-        </p:style>
-        <p:txBody>
-          <a:bodyPr rtlCol="0" anchor="ctr"/>
-          <a:lstStyle/>
-          <a:p>
-            <a:pPr algn="ctr"/>
-            <a:r>
-              <a:rPr lang="en-US" dirty="0" smtClean="0"/>
-              <a:t>Calculate Movements</a:t>
-            </a:r>
-            <a:endParaRPr lang="en-US" dirty="0"/>
-          </a:p>
-        </p:txBody>
-      </p:sp>
-      <p:cxnSp>
-        <p:nvCxnSpPr>
-          <p:cNvPr id="9" name="Straight Arrow Connector 8"/>
-          <p:cNvCxnSpPr/>
-          <p:nvPr/>
-        </p:nvCxnSpPr>
-        <p:spPr>
-          <a:xfrm>
-            <a:off x="3489649" y="1639607"/>
-            <a:ext cx="737118" cy="0"/>
-          </a:xfrm>
-          <a:prstGeom prst="straightConnector1">
-            <a:avLst/>
-          </a:prstGeom>
-          <a:ln>
-            <a:tailEnd type="triangle"/>
-          </a:ln>
-        </p:spPr>
-        <p:style>
-          <a:lnRef idx="1">
-            <a:schemeClr val="accent1"/>
-          </a:lnRef>
-          <a:fillRef idx="0">
-            <a:schemeClr val="accent1"/>
-          </a:fillRef>
-          <a:effectRef idx="0">
-            <a:schemeClr val="accent1"/>
-          </a:effectRef>
-          <a:fontRef idx="minor">
-            <a:schemeClr val="tx1"/>
-          </a:fontRef>
-        </p:style>
-      </p:cxnSp>
-      <p:cxnSp>
-        <p:nvCxnSpPr>
-          <p:cNvPr id="11" name="Straight Arrow Connector 10"/>
-          <p:cNvCxnSpPr/>
-          <p:nvPr/>
-        </p:nvCxnSpPr>
-        <p:spPr>
-          <a:xfrm>
-            <a:off x="6930190" y="1639607"/>
-            <a:ext cx="842210" cy="0"/>
-          </a:xfrm>
-          <a:prstGeom prst="straightConnector1">
-            <a:avLst/>
-          </a:prstGeom>
-          <a:ln>
-            <a:tailEnd type="triangle"/>
-          </a:ln>
-        </p:spPr>
-        <p:style>
-          <a:lnRef idx="1">
-            <a:schemeClr val="accent1"/>
-          </a:lnRef>
-          <a:fillRef idx="0">
-            <a:schemeClr val="accent1"/>
-          </a:fillRef>
-          <a:effectRef idx="0">
-            <a:schemeClr val="accent1"/>
-          </a:effectRef>
-          <a:fontRef idx="minor">
-            <a:schemeClr val="tx1"/>
-          </a:fontRef>
-        </p:style>
-      </p:cxnSp>
-      <p:sp>
-        <p:nvSpPr>
-          <p:cNvPr id="17" name="TextBox 16"/>
-          <p:cNvSpPr txBox="1"/>
-          <p:nvPr/>
-        </p:nvSpPr>
-        <p:spPr>
-          <a:xfrm>
-            <a:off x="867011" y="2761861"/>
-            <a:ext cx="2329196" cy="2031325"/>
-          </a:xfrm>
-          <a:prstGeom prst="rect">
-            <a:avLst/>
-          </a:prstGeom>
-          <a:noFill/>
-        </p:spPr>
-        <p:txBody>
-          <a:bodyPr wrap="square" rtlCol="0">
-            <a:spAutoFit/>
-          </a:bodyPr>
-          <a:lstStyle/>
-          <a:p>
-            <a:pPr marL="285750" indent="-285750">
-              <a:buFont typeface="Arial" panose="020B0604020202020204" pitchFamily="34" charset="0"/>
-              <a:buChar char="•"/>
-            </a:pPr>
-            <a:r>
-              <a:rPr lang="en-US" dirty="0" smtClean="0"/>
-              <a:t>Scan and enter data in Excel</a:t>
-            </a:r>
-          </a:p>
-          <a:p>
-            <a:pPr marL="285750" indent="-285750">
-              <a:buFont typeface="Arial" panose="020B0604020202020204" pitchFamily="34" charset="0"/>
-              <a:buChar char="•"/>
-            </a:pPr>
-            <a:r>
-              <a:rPr lang="en-US" dirty="0" smtClean="0"/>
-              <a:t>Correct data with M34 Detections only if needed</a:t>
-            </a:r>
-          </a:p>
-          <a:p>
-            <a:pPr marL="285750" indent="-285750">
-              <a:buFont typeface="Arial" panose="020B0604020202020204" pitchFamily="34" charset="0"/>
-              <a:buChar char="•"/>
-            </a:pPr>
-            <a:r>
-              <a:rPr lang="en-US" dirty="0" smtClean="0"/>
-              <a:t>Update “</a:t>
-            </a:r>
-            <a:r>
-              <a:rPr lang="en-US" dirty="0" err="1" smtClean="0"/>
-              <a:t>allAfterFieldData</a:t>
-            </a:r>
-            <a:r>
-              <a:rPr lang="en-US" dirty="0" smtClean="0"/>
-              <a:t>”  </a:t>
-            </a:r>
-            <a:endParaRPr lang="en-US" dirty="0"/>
-          </a:p>
-        </p:txBody>
-      </p:sp>
-      <p:sp>
-        <p:nvSpPr>
-          <p:cNvPr id="18" name="TextBox 17"/>
-          <p:cNvSpPr txBox="1"/>
-          <p:nvPr/>
-        </p:nvSpPr>
-        <p:spPr>
-          <a:xfrm>
-            <a:off x="4425340" y="2761860"/>
-            <a:ext cx="2504849" cy="2308324"/>
-          </a:xfrm>
-          <a:prstGeom prst="rect">
-            <a:avLst/>
-          </a:prstGeom>
-          <a:noFill/>
-        </p:spPr>
-        <p:txBody>
-          <a:bodyPr wrap="square" rtlCol="0">
-            <a:spAutoFit/>
-          </a:bodyPr>
-          <a:lstStyle/>
-          <a:p>
-            <a:pPr marL="285750" indent="-285750">
-              <a:buFont typeface="Arial" panose="020B0604020202020204" pitchFamily="34" charset="0"/>
-              <a:buChar char="•"/>
-            </a:pPr>
-            <a:r>
-              <a:rPr lang="en-US" dirty="0" smtClean="0"/>
-              <a:t>Combine new field data (</a:t>
-            </a:r>
-            <a:r>
-              <a:rPr lang="en-US" dirty="0" err="1" smtClean="0"/>
-              <a:t>allAfterFieldData</a:t>
-            </a:r>
-            <a:r>
-              <a:rPr lang="en-US" dirty="0" smtClean="0"/>
-              <a:t>), Trimble survey data, (</a:t>
-            </a:r>
-            <a:r>
-              <a:rPr lang="en-US" dirty="0" err="1" smtClean="0"/>
-              <a:t>allKBAfterSurveyPoints</a:t>
-            </a:r>
-            <a:r>
-              <a:rPr lang="en-US" dirty="0" smtClean="0"/>
-              <a:t>), and attribute info (</a:t>
-            </a:r>
-            <a:r>
-              <a:rPr lang="en-US" dirty="0" err="1" smtClean="0"/>
-              <a:t>XXXX_new_KB_tagged_Rocks</a:t>
-            </a:r>
-            <a:r>
-              <a:rPr lang="en-US" dirty="0" smtClean="0"/>
-              <a:t>)</a:t>
-            </a:r>
-            <a:endParaRPr lang="en-US" dirty="0"/>
-          </a:p>
-        </p:txBody>
-      </p:sp>
-      <p:sp>
-        <p:nvSpPr>
-          <p:cNvPr id="19" name="TextBox 18"/>
-          <p:cNvSpPr txBox="1"/>
-          <p:nvPr/>
-        </p:nvSpPr>
-        <p:spPr>
-          <a:xfrm>
-            <a:off x="7983671" y="2761860"/>
-            <a:ext cx="3138419" cy="1754326"/>
-          </a:xfrm>
-          <a:prstGeom prst="rect">
-            <a:avLst/>
-          </a:prstGeom>
-          <a:noFill/>
-        </p:spPr>
-        <p:txBody>
-          <a:bodyPr wrap="square" rtlCol="0">
-            <a:spAutoFit/>
-          </a:bodyPr>
-          <a:lstStyle/>
-          <a:p>
-            <a:pPr marL="285750" indent="-285750">
-              <a:buFont typeface="Arial" panose="020B0604020202020204" pitchFamily="34" charset="0"/>
-              <a:buChar char="•"/>
-            </a:pPr>
-            <a:r>
-              <a:rPr lang="en-US" dirty="0" smtClean="0"/>
-              <a:t>Create summary file with cumulative distance (</a:t>
-            </a:r>
-            <a:r>
-              <a:rPr lang="en-US" dirty="0" err="1" smtClean="0"/>
-              <a:t>MasterPITRockList</a:t>
-            </a:r>
-            <a:r>
-              <a:rPr lang="en-US" dirty="0" smtClean="0"/>
-              <a:t>)</a:t>
-            </a:r>
-          </a:p>
-          <a:p>
-            <a:pPr marL="285750" indent="-285750">
-              <a:buFont typeface="Arial" panose="020B0604020202020204" pitchFamily="34" charset="0"/>
-              <a:buChar char="•"/>
-            </a:pPr>
-            <a:r>
-              <a:rPr lang="en-US" dirty="0" smtClean="0"/>
-              <a:t>Calculate distance moved by Runoff year (</a:t>
-            </a:r>
-            <a:r>
-              <a:rPr lang="en-US" dirty="0" err="1" smtClean="0"/>
-              <a:t>MovementData_Combined</a:t>
-            </a:r>
-            <a:r>
-              <a:rPr lang="en-US" dirty="0" smtClean="0"/>
-              <a:t>)</a:t>
-            </a:r>
-            <a:endParaRPr lang="en-US" dirty="0"/>
-          </a:p>
-        </p:txBody>
-      </p:sp>
     </p:spTree>
     <p:extLst>
       <p:ext uri="{BB962C8B-B14F-4D97-AF65-F5344CB8AC3E}">
